--- a/reviews/Presentation1.pptx
+++ b/reviews/Presentation1.pptx
@@ -7,6 +7,8 @@
   <p:sldIdLst>
     <p:sldId id="256" r:id="rId2"/>
     <p:sldId id="257" r:id="rId3"/>
+    <p:sldId id="258" r:id="rId4"/>
+    <p:sldId id="259" r:id="rId5"/>
   </p:sldIdLst>
   <p:sldSz cx="12192000" cy="6858000"/>
   <p:notesSz cx="6858000" cy="9144000"/>
@@ -105,6 +107,11 @@
       </a:defRPr>
     </a:lvl9pPr>
   </p:defaultTextStyle>
+  <p:extLst>
+    <p:ext uri="{EFAFB233-063F-42B5-8137-9DF3F51BA10A}">
+      <p15:sldGuideLst xmlns:p15="http://schemas.microsoft.com/office/powerpoint/2012/main"/>
+    </p:ext>
+  </p:extLst>
 </p:presentation>
 </file>
 
@@ -163,12 +170,12 @@
     </inkml:brush>
   </inkml:definitions>
   <inkml:trace contextRef="#ctx0" brushRef="#br0">4615 288,'-554'-22,"-291"22,765 6,0 4,1 4,-65 19,-4 1,-750 180,508-128,269-44,2 6,2 4,3 6,2 5,-16 17,80-52,14-9,0 1,2 2,0 1,2 2,0 0,2 3,1 0,1 1,1 2,2 1,-5 11,-39 75,37-71,2 1,1 2,3 1,3 1,1 0,3 2,2 0,-6 50,2 577,20-493,3-129,2-1,3 1,3-2,2 0,8 19,25 108,-33-131,2-1,2 0,2-1,3-1,2-1,2-1,2-1,2-2,2-1,2-2,15 14,199 213,209 156,-389-366,2-3,2-4,57 31,136 99,-216-141,3-2,0-3,3-2,1-2,54 21,38 8,2-6,110 22,87-19,-146-33,2-10,-1-8,45-11,-80 2,531-6,-600-5,-1-5,-1-4,-1-5,-1-3,61-31,-63 24,-2-4,-1-3,-3-5,-2-3,-2-4,-2-4,-4-3,5-9,-53 40,-2-2,-1 0,-2-2,-1 0,-1-2,-3 0,-1-1,-2-1,-1-1,-3 0,-1-1,-2 0,0-12,7-90,-6-2,-6 1,-8-42,1 35,2 16,2-118,-12 0,-35-186,3 200,-10 2,-11 2,-10 4,-10 2,-24-25,75 177,-4 1,-3 3,-3 1,-4 2,-2 2,-4 2,-2 3,-6-1,10 26,-2 3,-1 2,-2 3,-1 2,-1 2,-2 3,0 3,-36-8,-170-68,-89-35,308 123,-1 2,0 3,0 1,0 2,-46 6,-12-2,-103-2,176-1</inkml:trace>
-  <inkml:trace contextRef="#ctx0" brushRef="#br1" timeOffset="343750.245">607 1826,'114'-21,"28"20,778 72,-670-55,-210-6,230 33,113-49,-156-74,-5 55,155 17,-170-25,93-4,-127-1,-147 26</inkml:trace>
-  <inkml:trace contextRef="#ctx0" brushRef="#br1" timeOffset="345380.518">887 2293,'35'-9,"0"2,1 2,0 1,1 2,-1 1,21 4,15-3,1243 1,-1290-1</inkml:trace>
-  <inkml:trace contextRef="#ctx0" brushRef="#br1" timeOffset="349163.802">561 2712,'19'-14,"1"1,0 1,1 1,0 1,1 1,0 0,0 2,1 1,0 0,0 2,0 1,1 0,-1 2,20 1,56-9,212-39,216 50,-157 59,-144-19,113 20,-3 25,140-83,-138-75,-270 61,-36 5</inkml:trace>
-  <inkml:trace contextRef="#ctx0" brushRef="#br1" timeOffset="351828.753">747 3597,'501'-1,"-63"-69,-9 72,-261 50,-61-10,-7-23,1-4,0-4,1-5,0-4,48-7,24 2,524 3,-678 0</inkml:trace>
-  <inkml:trace contextRef="#ctx0" brushRef="#br0" timeOffset="1.95156E6">1120 5181,'-6'2,"0"0,-1 1,2 0,-1 0,0 0,0 0,1 1,0 0,0 0,0 1,0-1,1 1,0 0,0 0,0 1,0-1,1 1,0-1,0 1,1 0,-1 1,0 4,-10 14,10-19,-20 33,1 1,2 0,3 1,1 1,1 1,3 0,0 12,-99 320,106-86,8-271,1 0,0 0,1-1,1 0,1 0,0 0,1-1,1 0,0 0,11 13,2 6,-18-24,1-1,1 0,-1 0,2 0,-1-1,1 0,1 0,0-1,0 1,0-2,1 1,0-1,1-1,-1 0,1 0,1-1,-1 0,1-1,0 0,0 0,0-1,6 0,455-6,-349 5,-57 1,0-4,-1-2,1-3,13-5,-20-6,-2-2,-1-3,0-2,-2-2,20-15,81-38,98-55,-224 117,1 1,0 2,1 1,0 1,1 2,0 1,1 2,0 1,0 1,11 1,231-59,-171 54,53-16,160-98,-286 118,1 1,0 2,0 1,0 1,0 2,0 2,21 4,0-1,-33-5</inkml:trace>
-  <inkml:trace contextRef="#ctx0" brushRef="#br0" timeOffset="1.9529E6">4173 5811,'72'69,"137"237,-210-303,1 0,0 0,-1-1,0 1,0 0,0 0,0 0,0-1,-1 1,1-1,-1 1,1-1,-1 0,0 1,0-1,0 0,0 0,-1 0,1-1,0 1,-1 0,0-1,1 0,-1 1,0-1,1 0,-1 0,0-1,0 1,0-1,0 1,0-1,1 0,-1 0,0 0,0 0,0-1,0 1,0-1,0 0,0 0,1 0,-3-1,-26 5,-66 28,71-20</inkml:trace>
+  <inkml:trace contextRef="#ctx0" brushRef="#br1" timeOffset="-85746.485">607 1826,'114'-21,"28"20,778 72,-670-55,-210-6,230 33,113-49,-156-74,-5 55,155 17,-170-25,93-4,-127-1,-147 26</inkml:trace>
+  <inkml:trace contextRef="#ctx0" brushRef="#br1" timeOffset="-84116.212">887 2293,'35'-9,"0"2,1 2,0 1,1 2,-1 1,21 4,15-3,1243 1,-1290-1</inkml:trace>
+  <inkml:trace contextRef="#ctx0" brushRef="#br1" timeOffset="-80332.929">561 2712,'19'-14,"1"1,0 1,1 1,0 1,1 1,0 0,0 2,1 1,0 0,0 2,0 1,1 0,-1 2,20 1,56-9,212-39,216 50,-157 59,-144-19,113 20,-3 25,140-83,-138-75,-270 61,-36 5</inkml:trace>
+  <inkml:trace contextRef="#ctx0" brushRef="#br1" timeOffset="-77667.977">747 3597,'501'-1,"-63"-69,-9 72,-261 50,-61-10,-7-23,1-4,0-4,1-5,0-4,48-7,24 2,524 3,-678 0</inkml:trace>
+  <inkml:trace contextRef="#ctx0" brushRef="#br0" timeOffset="-195923.649">1120 5181,'-6'2,"0"0,-1 1,2 0,-1 0,0 0,0 0,1 1,0 0,0 0,0 1,0-1,1 1,0 0,0 0,0 1,0-1,1 1,0-1,0 1,1 0,-1 1,0 4,-10 14,10-19,-20 33,1 1,2 0,3 1,1 1,1 1,3 0,0 12,-99 320,106-86,8-271,1 0,0 0,1-1,1 0,1 0,0 0,1-1,1 0,0 0,11 13,2 6,-18-24,1-1,1 0,-1 0,2 0,-1-1,1 0,1 0,0-1,0 1,0-2,1 1,0-1,1-1,-1 0,1 0,1-1,-1 0,1-1,0 0,0 0,0-1,6 0,455-6,-349 5,-57 1,0-4,-1-2,1-3,13-5,-20-6,-2-2,-1-3,0-2,-2-2,20-15,81-38,98-55,-224 117,1 1,0 2,1 1,0 1,1 2,0 1,1 2,0 1,0 1,11 1,231-59,-171 54,53-16,160-98,-286 118,1 1,0 2,0 1,0 1,0 2,0 2,21 4,0-1,-33-5</inkml:trace>
+  <inkml:trace contextRef="#ctx0" brushRef="#br0" timeOffset="-194583.649">4173 5811,'72'69,"137"237,-210-303,1 0,0 0,-1-1,0 1,0 0,0 0,0 0,0-1,-1 1,1-1,-1 1,1-1,-1 0,0 1,0-1,0 0,0 0,-1 0,1-1,0 1,-1 0,0-1,1 0,-1 1,0-1,1 0,-1 0,0-1,0 1,0-1,0 1,0-1,1 0,-1 0,0 0,0 0,0-1,0 1,0-1,0 0,0 0,1 0,-3-1,-26 5,-66 28,71-20</inkml:trace>
 </inkml:ink>
 </file>
 
@@ -199,6 +206,179 @@
 </inkml:ink>
 </file>
 
+<file path=ppt/ink/ink4.xml><?xml version="1.0" encoding="utf-8"?>
+<inkml:ink xmlns:inkml="http://www.w3.org/2003/InkML">
+  <inkml:definitions>
+    <inkml:context xml:id="ctx0">
+      <inkml:inkSource xml:id="inkSrc0">
+        <inkml:traceFormat>
+          <inkml:channel name="X" type="integer" min="-2.14748E9" max="2.14748E9" units="cm"/>
+          <inkml:channel name="Y" type="integer" min="-2.14748E9" max="2.14748E9" units="cm"/>
+        </inkml:traceFormat>
+        <inkml:channelProperties>
+          <inkml:channelProperty channel="X" name="resolution" value="1000" units="1/cm"/>
+          <inkml:channelProperty channel="Y" name="resolution" value="1000" units="1/cm"/>
+        </inkml:channelProperties>
+      </inkml:inkSource>
+      <inkml:timestamp xml:id="ts0" timeString="2020-10-30T14:38:01.130"/>
+    </inkml:context>
+    <inkml:brush xml:id="br0">
+      <inkml:brushProperty name="width" value="0.1" units="cm"/>
+      <inkml:brushProperty name="height" value="0.1" units="cm"/>
+      <inkml:brushProperty name="color" value="#AE198D"/>
+      <inkml:brushProperty name="ignorePressure" value="1"/>
+      <inkml:brushProperty name="inkEffects" value="galaxy"/>
+      <inkml:brushProperty name="anchorX" value="0"/>
+      <inkml:brushProperty name="anchorY" value="0"/>
+      <inkml:brushProperty name="scaleFactor" value="0.5"/>
+    </inkml:brush>
+  </inkml:definitions>
+  <inkml:trace contextRef="#ctx0" brushRef="#br0">1 219,'0'0,"3"0,7 0,3 0,4 0,7 0,1 0,6-5,0 1,7 0,8-4,6 0,15-2,12 1,17-7,4-3,5 3,8-2,5 3,-3 5,-6 3,-14-6,-12 2,-13 2,-10-2,-9 2,-5 2,2 2,-2 2,-5 2,4 0,-5 1,4 1,5-1,5 0,0 1,4-1,-3 0,-7 0,-7 0,-2 0,-6 0,1 0,0 0,3 0,6 4,-2 1,1-1,1 4,-1 8,-3-1,-5-1,0 0,-7 2,-3-3,1-3,-4 1,-1-2,-1 2,1 2,0-2,4 7,2-2,-1 1,5 2,-6 0,4-3,3 5,3 5,0 1,-3 0,-2-1,-2-5,-3-1,-1-1,-5-1,3 6,0 0,1 2,-4-2,-4 0,-5 0,0-2,3 9,2-4,-2-1,-2 7,1-1,-2 4,-2 2,6 6,-1 2,-2-3,2 4,-3-5,-1 4,1-4,-1-1,-2-4,-2 0,-2-4,4 1,-1 1,-1-1,0-3,2 10,0 2,-1 3,-1 5,-1 0,-2-1,0 8,-1 2,0 8,0 2,-1 0,1-4,0-2,0-1,0-8,0-1,0-3,4-3,1 2,-1-5,0-2,-1-5,-2 0,0-1,0 6,-1 6,0 5,0 10,-1 16,1 6,0 6,0 10,0-1,0 4,0-7,0-4,0-8,0-6,0-11,0-5,0-2,0-1,0-8,0 0,0-3,0 2,4-2,1-1,-1-1,4-3,-1 0,-1-5,-1-1,2 4,-1-4,0 6,-3-4,4 5,-1-5,-1 5,-1 0,-1-1,-2 5,0-4,-1 2,0 4,0 4,8 4,5-2,0 6,-1-4,-3 2,-3 1,1 0,-1-8,4 5,2-8,-1-3,-2 1,-2-2,-3 0,3 2,-1 4,-2-1,0-5,-2-8,-1-1,0-6,7 1,1 1,0-2,-2-3,-2 2,-2-2,-1 6,-1-1,-1 3,0 1,-1-3,1-3,0-3,4-8,4-7,5-5,4-6,3-2,1-3,1 0,1 0,-1 0,1 0,-1 0,5 1,-1-5,0 1,0-1,-2 2,-1 0,4 2,0 0,-1 0,3 1,0-4,-1 0,2-5,-1 1,-1 1,-2 2,3 2,-1 0,-1 3,2-1,9 6,-2-1,-1 5,-3 0,-4-2,-2-1,-2-2,-2-2,-5 3,-5 4,1 4,0-1,2 3,-2 1,-3 2,-3 2,-3 1,-1 1,-3-1,-4-3,-5 0,-5-5,-4-3,-2-4,-1-3,-2-2,1-1,-1 0,0-1,1 0,0 1,0-1,-4 1,4-4,1-1,0-4,0 1,5-3,-1 1,0-3,-5-1,3-3,0 3,-1-2,4-1,4-1,4-2,3 0,-1-1,1-1,1 0,1 4</inkml:trace>
+</inkml:ink>
+</file>
+
+<file path=ppt/ink/ink5.xml><?xml version="1.0" encoding="utf-8"?>
+<inkml:ink xmlns:inkml="http://www.w3.org/2003/InkML">
+  <inkml:definitions>
+    <inkml:context xml:id="ctx0">
+      <inkml:inkSource xml:id="inkSrc0">
+        <inkml:traceFormat>
+          <inkml:channel name="X" type="integer" min="-2.14748E9" max="2.14748E9" units="cm"/>
+          <inkml:channel name="Y" type="integer" min="-2.14748E9" max="2.14748E9" units="cm"/>
+        </inkml:traceFormat>
+        <inkml:channelProperties>
+          <inkml:channelProperty channel="X" name="resolution" value="1000" units="1/cm"/>
+          <inkml:channelProperty channel="Y" name="resolution" value="1000" units="1/cm"/>
+        </inkml:channelProperties>
+      </inkml:inkSource>
+      <inkml:timestamp xml:id="ts0" timeString="2020-10-30T14:37:47.249"/>
+    </inkml:context>
+    <inkml:brush xml:id="br0">
+      <inkml:brushProperty name="width" value="0.05" units="cm"/>
+      <inkml:brushProperty name="height" value="0.05" units="cm"/>
+      <inkml:brushProperty name="color" value="#E71224"/>
+      <inkml:brushProperty name="ignorePressure" value="1"/>
+    </inkml:brush>
+    <inkml:brush xml:id="br1">
+      <inkml:brushProperty name="width" value="0.05" units="cm"/>
+      <inkml:brushProperty name="height" value="0.05" units="cm"/>
+      <inkml:brushProperty name="ignorePressure" value="1"/>
+    </inkml:brush>
+  </inkml:definitions>
+  <inkml:trace contextRef="#ctx0" brushRef="#br0">3157 66,'-250'-38,"-263"11,388 26,1 6,0 6,-60 14,-334 112,426-113,1 3,2 4,1 5,1 3,-7 9,48-22,-9 2,1 3,1 2,2 3,2 1,1 3,2 2,2 2,-32 40,46-46,2 1,2 1,1 1,2 2,2 0,2 1,2 1,2 0,2 2,2-1,2 2,2-1,1 15,5-26,-1-14,0 0,1 1,1-1,2 0,0 0,1 0,1-1,1 1,1-1,1 0,1 0,0-1,2 0,0 0,9 11,33 20,1-3,3-2,2-2,2-3,1-3,2-3,1-2,2-3,1-3,25 5,-21-3,20 10,116 48,3-9,86 14,242 28,6-25,82-14,314 53,-586-102,1-15,255-24,-488 5,-76 3,1-1,-1-3,0-1,0-3,0-1,-1-3,-1-1,0-3,0-1,-2-2,14-10,-45 21,0-1,-1 0,0-1,-1 0,0-1,-1 0,1 0,-2-1,0 0,0 0,-1-1,0 0,-1 0,0 0,-1 0,-1-1,0 0,-1 0,0 0,0 0,-2 0,0 0,0 0,-2-10,-2-14,-2 1,-1-1,-2 1,-2 0,-1 1,-1 1,-2 0,-6-8,-337-575,272 475,-6 4,-6 4,-5 5,-6 4,-6 5,-40-27,104 102,4-2,-1 3,-3 1,-1 3,-2 2,-1 2,-2 3,-2 2,0 3,-2 3,-1 2,-39-8,-129 0,0 10,-157 8,363 12,-360-9,-824-3,1089 21,75-3</inkml:trace>
+  <inkml:trace contextRef="#ctx0" brushRef="#br0" timeOffset="2602.522">7628 1434,'-8'3,"0"1,1 0,-1 0,1 1,-1 0,2 0,-1 1,0-1,1 2,0-1,1 1,-1-1,1 1,0 1,1-1,-4 8,-44 69,3 1,4 3,3 2,5 1,4 2,4 1,3 2,6 0,3 1,1 36,-50 502,54 77,0 488,15-728,-5-163,16 555,-4-764,5 0,3-1,5-1,4-2,5 0,3-2,5-1,3-2,7 2,5 9,4-3,4-2,5-3,3-3,4-3,5-3,2-4,5-4,12 4,-79-68,1-1,1-1,0-1,0 0,1-2,0-1,1-1,0 0,0-2,0-1,0-1,0-1,0-1,2-1,49-5,-1-4,-1-2,72-23,496-141,-85 21,84 9,76 34,265-54,-930 158,-1-3,0-2,0-2,-2-2,0-2,-1-2,-1-3,-1-1,-1-2,-1-2,-2-2,-1-2,-2-1,-1-2,30-39,-9-20,-5-2,-5-3,-3-1,-5-2,6-38,223-680,-223 688,-5-2,-7-1,-5-2,-7 0,0-56,-11-853,-16 657,6 256,-7 1,-5-1,-7 1,-26-99,7 97,-6 2,-5 2,-6 2,-6 2,-5 3,-5 3,-6 3,-5 4,-4 3,-6 4,-76-67,101 117,-2 3,-3 3,-2 3,-1 4,-3 2,-2 5,-1 2,-1 5,-35-8,-67-11,-3 8,0 9,-152-7,-282 8,-204 31,352 4,349-4,0 5,0 5,1 6,1 5,-22 11,-515 141,650-170,-1 1,1-1,0 2,1-1,-1 1,1 0,0 1,0-1,1 1,-1 1,1-1,1 1,-1 0,1 1,0-1,1 1,0 0,0 0,1 0,0 1,0-1,1 1,0 0,0 6,-3 14</inkml:trace>
+  <inkml:trace contextRef="#ctx0" brushRef="#br1" timeOffset="164393.44">2266 718,'-784'0,"535"46,-23 5,237-42,1 2,1 1,0 1,1 2,1 2,0 0,-15 13,43-25,-1 0,0 0,1 0,0 1,0-1,1 1,0 0,0 0,0-1,0 1,1 1,0-1,0 0,1 0,0 0,0 0,0 1,1-1,0 0,0 0,0 0,1 0,0 0,0-1,1 1,-1 0,1-1,1 0,-1 1,1-1,-1-1,1 1,1 0,-1-1,4 3,17 4,0 0,1-2,0-1,0-1,1-1,-1-1,1-2,0-1,1 0,-1-2,0-2,26-4,49 3,1976 3,-1806-64,-232 53,0-2,-2-2,1-1,-2-2,0-1,26-20,-20 14,6 2,-42 22,-1-1,1-1,-1 1,0-1,0 0,0-1,0 1,0-1,-1 0,1-1,-1 1,0-1,-1 0,1 0,-1-1,0 1,0-1,-1 0,1 0,-5 0,-1 1,1-1,-1 1,0 0,0 0,0-1,-1 1,0 1,0-1,0 0,0 1,-1-1,0 1,0 0,0 1,0-1,-1 1,1-1,-1 1,0 0,0 1,0 0,0-1,-1 1,1 1,0-1,-2 1,-104-45,89 35,-1 1,-1 0,1 2,-2 1,1 0,-1 2,0 1,-13 0,-1154 6,565-2,593 0</inkml:trace>
+  <inkml:trace contextRef="#ctx0" brushRef="#br1" timeOffset="170841.132">10385 7513,'-3'-2,"1"-1,-1 1,0 0,-1 0,1 0,0 0,-1 0,1 1,-1 0,1 0,-1 0,0 0,1 0,-1 1,0-1,0 1,1 0,-1 0,0 0,0 1,-1 0,0-1,-367 0,55 87,-67-29,152-33,197-16,0-1,0-2,-1-1,1-2,-1-2,0-1,-32-4,-31 1,-304 3,107-22,-483 23,776-1,1 0,0-1,-1 1,1 0,0 1,-1-1,1 0,0 1,-1-1,1 1,0 0,0-1,0 1,-1 0,1 0,0 1,0-1,1 0,-1 1,0-1,0 1,1 0,-1-1,1 1,-1 0,1 0,0 0,0 0,0 0,0 0,0 1,0-1,0 0,1 0,-1 1,1-1,0 0,0 1,-1-1,2 0,-1 1,0-1,0 0,1 0,-1 1,1-1,44 105,-38-95,1-1,1 1,0-1,0-1,2 0,-1 0,1-1,0 0,1-1,0 0,0-1,1 0,-1-1,2-1,11 4,26 2,1-2,1-2,-1-2,1-3,-1-2,23-4,29 2,-31-4,0-2,0-4,-1-3,-1-3,62-24,213-48,69 85,489 5,-643-47,-148 24,-110 19,-1-1,0 1,0-1,0 1,0-1,-1 1,0-1,0 0,0 0,0 0,-1 0,0 1,0-1,0 0,0 0,-1 0,0 0,0 0,-1 1,1-1,-1 0,0 0,-1-7,-3-12,-1 4</inkml:trace>
+</inkml:ink>
+</file>
+
+<file path=ppt/ink/ink6.xml><?xml version="1.0" encoding="utf-8"?>
+<inkml:ink xmlns:inkml="http://www.w3.org/2003/InkML">
+  <inkml:definitions>
+    <inkml:context xml:id="ctx0">
+      <inkml:inkSource xml:id="inkSrc0">
+        <inkml:traceFormat>
+          <inkml:channel name="X" type="integer" min="-2.14748E9" max="2.14748E9" units="cm"/>
+          <inkml:channel name="Y" type="integer" min="-2.14748E9" max="2.14748E9" units="cm"/>
+        </inkml:traceFormat>
+        <inkml:channelProperties>
+          <inkml:channelProperty channel="X" name="resolution" value="1000" units="1/cm"/>
+          <inkml:channelProperty channel="Y" name="resolution" value="1000" units="1/cm"/>
+        </inkml:channelProperties>
+      </inkml:inkSource>
+      <inkml:timestamp xml:id="ts0" timeString="2020-10-30T14:42:00.530"/>
+    </inkml:context>
+    <inkml:brush xml:id="br0">
+      <inkml:brushProperty name="width" value="0.05" units="cm"/>
+      <inkml:brushProperty name="height" value="0.05" units="cm"/>
+      <inkml:brushProperty name="color" value="#E71224"/>
+      <inkml:brushProperty name="ignorePressure" value="1"/>
+    </inkml:brush>
+  </inkml:definitions>
+  <inkml:trace contextRef="#ctx0" brushRef="#br0">488 71,'-188'-58,"168"53,0 2,-1 0,0 2,1 0,-1 1,0 1,0 1,1 1,-1 1,-3 1,18 2,-1 0,1 1,0-1,0 1,1 0,0 1,0-1,1 1,0 0,1 0,0 0,0 1,1-1,0 1,1-1,0 1,0 0,1-1,1 1,-1 0,1-1,1 1,0-1,2 6,-2-8,0-1,0 0,1 1,0-1,0 0,0-1,1 1,0 0,0-1,0 0,1 0,0 0,0-1,0 0,0 0,1 0,-1 0,1-1,0 0,1 1,35 24,-25-16,1-1,1-1,0-1,0 0,1-2,0 0,0-1,1-1,0-1,0-1,0 0,0-2,0-1,5 0,-13-4,0-1,0 0,-1-1,0 0,0-1,0-1,-1 1,0-2,-1 1,0-2,0 1,-1-1,0-1,-1 0,0 0,0-1,-2 1,5-11,-8 18,0-1,0 1,-1-1,0 0,0 0,0 0,0 0,-1 0,0-1,0 1,0 0,-1-1,0 1,0 0,0-1,-1 1,1 0,-1-1,-1 1,1 0,-1 0,0 0,0 0,0 0,-1 0,1 1,-1-1,0 1,-1 0,1 0,-1 0,0 0,0 0,0 1,0 0,-1 0,1 0,-4-2,-56-19,44 18</inkml:trace>
+</inkml:ink>
+</file>
+
+<file path=ppt/ink/ink7.xml><?xml version="1.0" encoding="utf-8"?>
+<inkml:ink xmlns:inkml="http://www.w3.org/2003/InkML">
+  <inkml:definitions>
+    <inkml:context xml:id="ctx0">
+      <inkml:inkSource xml:id="inkSrc0">
+        <inkml:traceFormat>
+          <inkml:channel name="X" type="integer" min="-2.14748E9" max="2.14748E9" units="cm"/>
+          <inkml:channel name="Y" type="integer" min="-2.14748E9" max="2.14748E9" units="cm"/>
+        </inkml:traceFormat>
+        <inkml:channelProperties>
+          <inkml:channelProperty channel="X" name="resolution" value="1000" units="1/cm"/>
+          <inkml:channelProperty channel="Y" name="resolution" value="1000" units="1/cm"/>
+        </inkml:channelProperties>
+      </inkml:inkSource>
+      <inkml:timestamp xml:id="ts0" timeString="2020-10-30T14:42:31.036"/>
+    </inkml:context>
+    <inkml:brush xml:id="br0">
+      <inkml:brushProperty name="width" value="0.05" units="cm"/>
+      <inkml:brushProperty name="height" value="0.05" units="cm"/>
+      <inkml:brushProperty name="color" value="#E71224"/>
+      <inkml:brushProperty name="ignorePressure" value="1"/>
+    </inkml:brush>
+  </inkml:definitions>
+  <inkml:trace contextRef="#ctx0" brushRef="#br0">386 113,'-2'-6,"-1"1,0-1,0 1,0 0,-1 0,0 0,0 0,0 1,-1-1,0 1,0 0,0 1,0-1,0 1,0 0,-1 0,0 1,0-1,1 1,-3 0,-2-2,4 0,-1 1,0 0,0 0,0 0,0 1,0 0,0 0,-1 1,1 0,-1 0,1 1,-1 0,1 0,-1 1,1 0,0 0,-1 1,1 0,0 0,0 1,0 0,0 0,1 0,-1 1,1 0,0 0,0 1,0 0,0 0,1 0,0 1,0 0,1 0,-1 0,1 0,1 0,-1 1,1 0,-1 3,-1 0,0 0,1 0,1 0,0 0,0 1,1-1,0 1,1-1,0 1,0 0,1 0,1-1,0 1,0 0,1-1,1 1,0-1,0 0,1 1,0-2,0 1,2 0,0 1,2 2,0-1,1-1,0 0,1 0,0 0,1-1,0-1,0 0,1-1,0 0,1 0,0-2,0 1,0-2,1 0,7 2,19 0,0-1,1-2,0-2,-1-2,1-1,22-5,-56 5,0-1,-1 0,1 0,-1 0,1-1,-1 0,0 0,0 0,0-1,-1 0,1 0,-1-1,0 1,0-1,0 0,-1 0,0-1,0 0,0 1,0-1,-1-1,0 1,-1 0,1-1,-1 1,-1-1,1 0,-1 0,0 1,0-1,-1 0,0 0,0 0,-1 0,0 0,0 1,-1-2,3-2,-1 0,-1 0,0 0,0 0,-1 0,0 0,0 1,-1-1,-1 1,0-1,0 1,0 1,-1-1,-1 1,1-1,-1 1,-1 1,1-1,-1 1,-1 1,1-1,-1 1,0 0,-6-2,-158-87,155 87</inkml:trace>
+</inkml:ink>
+</file>
+
+<file path=ppt/ink/ink8.xml><?xml version="1.0" encoding="utf-8"?>
+<inkml:ink xmlns:inkml="http://www.w3.org/2003/InkML">
+  <inkml:definitions>
+    <inkml:context xml:id="ctx0">
+      <inkml:inkSource xml:id="inkSrc0">
+        <inkml:traceFormat>
+          <inkml:channel name="X" type="integer" min="-2.14748E9" max="2.14748E9" units="cm"/>
+          <inkml:channel name="Y" type="integer" min="-2.14748E9" max="2.14748E9" units="cm"/>
+        </inkml:traceFormat>
+        <inkml:channelProperties>
+          <inkml:channelProperty channel="X" name="resolution" value="1000" units="1/cm"/>
+          <inkml:channelProperty channel="Y" name="resolution" value="1000" units="1/cm"/>
+        </inkml:channelProperties>
+      </inkml:inkSource>
+      <inkml:timestamp xml:id="ts0" timeString="2020-10-30T14:49:35.105"/>
+    </inkml:context>
+    <inkml:brush xml:id="br0">
+      <inkml:brushProperty name="width" value="0.05" units="cm"/>
+      <inkml:brushProperty name="height" value="0.05" units="cm"/>
+      <inkml:brushProperty name="ignorePressure" value="1"/>
+    </inkml:brush>
+  </inkml:definitions>
+  <inkml:trace contextRef="#ctx0" brushRef="#br0">0 305,'271'21,"-159"13,-1 5,-1 5,97 55,-17-9,-128-58,-3 3,-1 3,-1 1,14 17,55 38,-108-81</inkml:trace>
+  <inkml:trace contextRef="#ctx0" brushRef="#br0" timeOffset="1079.821">1238 0,'-4'27,"0"0,-2 0,-1 0,-1-1,-2 0,0-1,-1 0,-2-1,-5 8,-20 44,-20 52,-5-3,-52 74,-27 53,128-235</inkml:trace>
+</inkml:ink>
+</file>
+
+<file path=ppt/ink/ink9.xml><?xml version="1.0" encoding="utf-8"?>
+<inkml:ink xmlns:inkml="http://www.w3.org/2003/InkML">
+  <inkml:definitions>
+    <inkml:context xml:id="ctx0">
+      <inkml:inkSource xml:id="inkSrc0">
+        <inkml:traceFormat>
+          <inkml:channel name="X" type="integer" min="-2.14748E9" max="2.14748E9" units="cm"/>
+          <inkml:channel name="Y" type="integer" min="-2.14748E9" max="2.14748E9" units="cm"/>
+        </inkml:traceFormat>
+        <inkml:channelProperties>
+          <inkml:channelProperty channel="X" name="resolution" value="1000" units="1/cm"/>
+          <inkml:channelProperty channel="Y" name="resolution" value="1000" units="1/cm"/>
+        </inkml:channelProperties>
+      </inkml:inkSource>
+      <inkml:timestamp xml:id="ts0" timeString="2020-10-30T14:49:45.394"/>
+    </inkml:context>
+    <inkml:brush xml:id="br0">
+      <inkml:brushProperty name="width" value="0.05" units="cm"/>
+      <inkml:brushProperty name="height" value="0.05" units="cm"/>
+      <inkml:brushProperty name="ignorePressure" value="1"/>
+    </inkml:brush>
+  </inkml:definitions>
+  <inkml:trace contextRef="#ctx0" brushRef="#br0">587 743,'-121'-21,"-173"21,287 2,0 1,1 0,-1 0,1 0,0 1,0 0,0 0,1 0,-1 1,1 0,0 0,1 0,-1 1,1 0,0-1,0 2,1-1,0 0,0 1,0-1,1 1,0 0,0 0,1 0,0 0,0 0,0 6,-9 26,-3 9,2 1,2 0,3 1,1-1,3 1,2 14,1 268,87-73,60 98,-29-150,95 183,25 45,-34 39,-132-301,-3 61,130 282,-102-274,-94-228,0-1,1 1,0-1,1-1,1 1,0-1,0 0,1 0,1-1,0 0,0-1,1 0,1 0,4 2,220 168,-108-112,4-20,341-49,-377 1,-132 0,17 0</inkml:trace>
+</inkml:ink>
+</file>
+
 <file path=ppt/slideLayouts/slideLayout1.xml><?xml version="1.0" encoding="utf-8"?>
 <p:sldLayout xmlns:a="http://schemas.openxmlformats.org/drawingml/2006/main" xmlns:r="http://schemas.openxmlformats.org/officeDocument/2006/relationships" xmlns:p="http://schemas.openxmlformats.org/presentationml/2006/main" type="title" preserve="1">
   <p:cSld name="Title Slide">
@@ -346,7 +526,7 @@
           <a:p>
             <a:fld id="{26B7B280-0936-4F55-A15A-97757EF8E446}" type="datetimeFigureOut">
               <a:rPr lang="en-US" smtClean="0"/>
-              <a:t>10/28/2020</a:t>
+              <a:t>10/30/2020</a:t>
             </a:fld>
             <a:endParaRPr lang="en-US"/>
           </a:p>
@@ -544,7 +724,7 @@
           <a:p>
             <a:fld id="{26B7B280-0936-4F55-A15A-97757EF8E446}" type="datetimeFigureOut">
               <a:rPr lang="en-US" smtClean="0"/>
-              <a:t>10/28/2020</a:t>
+              <a:t>10/30/2020</a:t>
             </a:fld>
             <a:endParaRPr lang="en-US"/>
           </a:p>
@@ -752,7 +932,7 @@
           <a:p>
             <a:fld id="{26B7B280-0936-4F55-A15A-97757EF8E446}" type="datetimeFigureOut">
               <a:rPr lang="en-US" smtClean="0"/>
-              <a:t>10/28/2020</a:t>
+              <a:t>10/30/2020</a:t>
             </a:fld>
             <a:endParaRPr lang="en-US"/>
           </a:p>
@@ -950,7 +1130,7 @@
           <a:p>
             <a:fld id="{26B7B280-0936-4F55-A15A-97757EF8E446}" type="datetimeFigureOut">
               <a:rPr lang="en-US" smtClean="0"/>
-              <a:t>10/28/2020</a:t>
+              <a:t>10/30/2020</a:t>
             </a:fld>
             <a:endParaRPr lang="en-US"/>
           </a:p>
@@ -1225,7 +1405,7 @@
           <a:p>
             <a:fld id="{26B7B280-0936-4F55-A15A-97757EF8E446}" type="datetimeFigureOut">
               <a:rPr lang="en-US" smtClean="0"/>
-              <a:t>10/28/2020</a:t>
+              <a:t>10/30/2020</a:t>
             </a:fld>
             <a:endParaRPr lang="en-US"/>
           </a:p>
@@ -1490,7 +1670,7 @@
           <a:p>
             <a:fld id="{26B7B280-0936-4F55-A15A-97757EF8E446}" type="datetimeFigureOut">
               <a:rPr lang="en-US" smtClean="0"/>
-              <a:t>10/28/2020</a:t>
+              <a:t>10/30/2020</a:t>
             </a:fld>
             <a:endParaRPr lang="en-US"/>
           </a:p>
@@ -1902,7 +2082,7 @@
           <a:p>
             <a:fld id="{26B7B280-0936-4F55-A15A-97757EF8E446}" type="datetimeFigureOut">
               <a:rPr lang="en-US" smtClean="0"/>
-              <a:t>10/28/2020</a:t>
+              <a:t>10/30/2020</a:t>
             </a:fld>
             <a:endParaRPr lang="en-US"/>
           </a:p>
@@ -2043,7 +2223,7 @@
           <a:p>
             <a:fld id="{26B7B280-0936-4F55-A15A-97757EF8E446}" type="datetimeFigureOut">
               <a:rPr lang="en-US" smtClean="0"/>
-              <a:t>10/28/2020</a:t>
+              <a:t>10/30/2020</a:t>
             </a:fld>
             <a:endParaRPr lang="en-US"/>
           </a:p>
@@ -2156,7 +2336,7 @@
           <a:p>
             <a:fld id="{26B7B280-0936-4F55-A15A-97757EF8E446}" type="datetimeFigureOut">
               <a:rPr lang="en-US" smtClean="0"/>
-              <a:t>10/28/2020</a:t>
+              <a:t>10/30/2020</a:t>
             </a:fld>
             <a:endParaRPr lang="en-US"/>
           </a:p>
@@ -2467,7 +2647,7 @@
           <a:p>
             <a:fld id="{26B7B280-0936-4F55-A15A-97757EF8E446}" type="datetimeFigureOut">
               <a:rPr lang="en-US" smtClean="0"/>
-              <a:t>10/28/2020</a:t>
+              <a:t>10/30/2020</a:t>
             </a:fld>
             <a:endParaRPr lang="en-US"/>
           </a:p>
@@ -2755,7 +2935,7 @@
           <a:p>
             <a:fld id="{26B7B280-0936-4F55-A15A-97757EF8E446}" type="datetimeFigureOut">
               <a:rPr lang="en-US" smtClean="0"/>
-              <a:t>10/28/2020</a:t>
+              <a:t>10/30/2020</a:t>
             </a:fld>
             <a:endParaRPr lang="en-US"/>
           </a:p>
@@ -2996,7 +3176,7 @@
           <a:p>
             <a:fld id="{26B7B280-0936-4F55-A15A-97757EF8E446}" type="datetimeFigureOut">
               <a:rPr lang="en-US" smtClean="0"/>
-              <a:t>10/28/2020</a:t>
+              <a:t>10/30/2020</a:t>
             </a:fld>
             <a:endParaRPr lang="en-US"/>
           </a:p>
@@ -3544,8 +3724,8 @@
           </a:p>
         </p:txBody>
       </p:sp>
-      <mc:AlternateContent xmlns:mc="http://schemas.openxmlformats.org/markup-compatibility/2006">
-        <mc:Choice xmlns:p14="http://schemas.microsoft.com/office/powerpoint/2010/main" Requires="p14">
+      <mc:AlternateContent xmlns:mc="http://schemas.openxmlformats.org/markup-compatibility/2006" xmlns:p14="http://schemas.microsoft.com/office/powerpoint/2010/main">
+        <mc:Choice Requires="p14">
           <p:contentPart p14:bwMode="auto" r:id="rId3">
             <p14:nvContentPartPr>
               <p14:cNvPr id="18" name="Ink 17">
@@ -3564,7 +3744,7 @@
             </p14:xfrm>
           </p:contentPart>
         </mc:Choice>
-        <mc:Fallback>
+        <mc:Fallback xmlns="">
           <p:pic>
             <p:nvPicPr>
               <p:cNvPr id="18" name="Ink 17">
@@ -3838,8 +4018,8 @@
           </a:p>
         </p:txBody>
       </p:sp>
-      <mc:AlternateContent xmlns:mc="http://schemas.openxmlformats.org/markup-compatibility/2006">
-        <mc:Choice xmlns:p14="http://schemas.microsoft.com/office/powerpoint/2010/main" Requires="p14">
+      <mc:AlternateContent xmlns:mc="http://schemas.openxmlformats.org/markup-compatibility/2006" xmlns:p14="http://schemas.microsoft.com/office/powerpoint/2010/main">
+        <mc:Choice Requires="p14">
           <p:contentPart p14:bwMode="auto" r:id="rId5">
             <p14:nvContentPartPr>
               <p14:cNvPr id="29" name="Ink 28">
@@ -3858,7 +4038,7 @@
             </p14:xfrm>
           </p:contentPart>
         </mc:Choice>
-        <mc:Fallback>
+        <mc:Fallback xmlns="">
           <p:pic>
             <p:nvPicPr>
               <p:cNvPr id="29" name="Ink 28">
@@ -4046,8 +4226,8 @@
           </a:prstGeom>
         </p:spPr>
       </p:pic>
-      <mc:AlternateContent xmlns:mc="http://schemas.openxmlformats.org/markup-compatibility/2006">
-        <mc:Choice xmlns:p14="http://schemas.microsoft.com/office/powerpoint/2010/main" Requires="p14">
+      <mc:AlternateContent xmlns:mc="http://schemas.openxmlformats.org/markup-compatibility/2006" xmlns:p14="http://schemas.microsoft.com/office/powerpoint/2010/main">
+        <mc:Choice Requires="p14">
           <p:contentPart p14:bwMode="auto" r:id="rId3">
             <p14:nvContentPartPr>
               <p14:cNvPr id="5" name="Ink 4">
@@ -4066,7 +4246,7 @@
             </p14:xfrm>
           </p:contentPart>
         </mc:Choice>
-        <mc:Fallback>
+        <mc:Fallback xmlns="">
           <p:pic>
             <p:nvPicPr>
               <p:cNvPr id="5" name="Ink 4">
@@ -4101,6 +4281,503 @@
     <p:extLst>
       <p:ext uri="{BB962C8B-B14F-4D97-AF65-F5344CB8AC3E}">
         <p14:creationId xmlns:p14="http://schemas.microsoft.com/office/powerpoint/2010/main" val="2178470022"/>
+      </p:ext>
+    </p:extLst>
+  </p:cSld>
+  <p:clrMapOvr>
+    <a:masterClrMapping/>
+  </p:clrMapOvr>
+</p:sld>
+</file>
+
+<file path=ppt/slides/slide3.xml><?xml version="1.0" encoding="utf-8"?>
+<p:sld xmlns:a="http://schemas.openxmlformats.org/drawingml/2006/main" xmlns:r="http://schemas.openxmlformats.org/officeDocument/2006/relationships" xmlns:p="http://schemas.openxmlformats.org/presentationml/2006/main">
+  <p:cSld>
+    <p:spTree>
+      <p:nvGrpSpPr>
+        <p:cNvPr id="1" name=""/>
+        <p:cNvGrpSpPr/>
+        <p:nvPr/>
+      </p:nvGrpSpPr>
+      <p:grpSpPr>
+        <a:xfrm>
+          <a:off x="0" y="0"/>
+          <a:ext cx="0" cy="0"/>
+          <a:chOff x="0" y="0"/>
+          <a:chExt cx="0" cy="0"/>
+        </a:xfrm>
+      </p:grpSpPr>
+      <p:pic>
+        <p:nvPicPr>
+          <p:cNvPr id="4" name="Picture 3">
+            <a:extLst>
+              <a:ext uri="{FF2B5EF4-FFF2-40B4-BE49-F238E27FC236}">
+                <a16:creationId xmlns:a16="http://schemas.microsoft.com/office/drawing/2014/main" id="{D124A670-63FF-483D-BB30-96A355FEBAEA}"/>
+              </a:ext>
+            </a:extLst>
+          </p:cNvPr>
+          <p:cNvPicPr>
+            <a:picLocks noChangeAspect="1"/>
+          </p:cNvPicPr>
+          <p:nvPr/>
+        </p:nvPicPr>
+        <p:blipFill>
+          <a:blip r:embed="rId2">
+            <a:extLst>
+              <a:ext uri="{28A0092B-C50C-407E-A947-70E740481C1C}">
+                <a14:useLocalDpi xmlns:a14="http://schemas.microsoft.com/office/drawing/2010/main" val="0"/>
+              </a:ext>
+            </a:extLst>
+          </a:blip>
+          <a:stretch>
+            <a:fillRect/>
+          </a:stretch>
+        </p:blipFill>
+        <p:spPr>
+          <a:xfrm>
+            <a:off x="1386010" y="436441"/>
+            <a:ext cx="9810750" cy="5391150"/>
+          </a:xfrm>
+          <a:prstGeom prst="rect">
+            <a:avLst/>
+          </a:prstGeom>
+        </p:spPr>
+      </p:pic>
+      <p:sp>
+        <p:nvSpPr>
+          <p:cNvPr id="2" name="TextBox 1">
+            <a:extLst>
+              <a:ext uri="{FF2B5EF4-FFF2-40B4-BE49-F238E27FC236}">
+                <a16:creationId xmlns:a16="http://schemas.microsoft.com/office/drawing/2014/main" id="{DDB0D001-8D59-4D26-A501-D424C4F00A83}"/>
+              </a:ext>
+            </a:extLst>
+          </p:cNvPr>
+          <p:cNvSpPr txBox="1"/>
+          <p:nvPr/>
+        </p:nvSpPr>
+        <p:spPr>
+          <a:xfrm>
+            <a:off x="71120" y="5380672"/>
+            <a:ext cx="7741920" cy="1477328"/>
+          </a:xfrm>
+          <a:prstGeom prst="rect">
+            <a:avLst/>
+          </a:prstGeom>
+          <a:noFill/>
+        </p:spPr>
+        <p:txBody>
+          <a:bodyPr wrap="square" rtlCol="0">
+            <a:spAutoFit/>
+          </a:bodyPr>
+          <a:lstStyle/>
+          <a:p>
+            <a:r>
+              <a:rPr lang="en-US" dirty="0"/>
+              <a:t>Things must happen in a certain order.</a:t>
+            </a:r>
+          </a:p>
+          <a:p>
+            <a:r>
+              <a:rPr lang="en-US" dirty="0"/>
+              <a:t>PEMDAS</a:t>
+            </a:r>
+          </a:p>
+          <a:p>
+            <a:r>
+              <a:rPr lang="en-US" dirty="0"/>
+              <a:t>X = 1</a:t>
+            </a:r>
+          </a:p>
+          <a:p>
+            <a:r>
+              <a:rPr lang="en-US" dirty="0"/>
+              <a:t>Y= (2x^2) + (4 * 3x) +15</a:t>
+            </a:r>
+          </a:p>
+          <a:p>
+            <a:r>
+              <a:rPr lang="en-US" dirty="0"/>
+              <a:t>Y= (2 * x^2)…</a:t>
+            </a:r>
+          </a:p>
+        </p:txBody>
+      </p:sp>
+      <mc:AlternateContent xmlns:mc="http://schemas.openxmlformats.org/markup-compatibility/2006">
+        <mc:Choice xmlns:p14="http://schemas.microsoft.com/office/powerpoint/2010/main" xmlns:aink="http://schemas.microsoft.com/office/drawing/2016/ink" Requires="p14 aink">
+          <p:contentPart p14:bwMode="auto" r:id="rId3">
+            <p14:nvContentPartPr>
+              <p14:cNvPr id="8" name="Ink 7">
+                <a:extLst>
+                  <a:ext uri="{FF2B5EF4-FFF2-40B4-BE49-F238E27FC236}">
+                    <a16:creationId xmlns:a16="http://schemas.microsoft.com/office/drawing/2014/main" id="{51D25D41-93FF-4684-A4AE-3059186F78AE}"/>
+                  </a:ext>
+                </a:extLst>
+              </p14:cNvPr>
+              <p14:cNvContentPartPr/>
+              <p14:nvPr/>
+            </p14:nvContentPartPr>
+            <p14:xfrm>
+              <a:off x="7056954" y="2195342"/>
+              <a:ext cx="1806840" cy="2557800"/>
+            </p14:xfrm>
+          </p:contentPart>
+        </mc:Choice>
+        <mc:Fallback>
+          <p:pic>
+            <p:nvPicPr>
+              <p:cNvPr id="8" name="Ink 7">
+                <a:extLst>
+                  <a:ext uri="{FF2B5EF4-FFF2-40B4-BE49-F238E27FC236}">
+                    <a16:creationId xmlns:a16="http://schemas.microsoft.com/office/drawing/2014/main" id="{51D25D41-93FF-4684-A4AE-3059186F78AE}"/>
+                  </a:ext>
+                </a:extLst>
+              </p:cNvPr>
+              <p:cNvPicPr/>
+              <p:nvPr/>
+            </p:nvPicPr>
+            <p:blipFill>
+              <a:blip r:embed="rId4"/>
+              <a:stretch>
+                <a:fillRect/>
+              </a:stretch>
+            </p:blipFill>
+            <p:spPr>
+              <a:xfrm>
+                <a:off x="7039314" y="2177342"/>
+                <a:ext cx="1842480" cy="2593440"/>
+              </a:xfrm>
+              <a:prstGeom prst="rect">
+                <a:avLst/>
+              </a:prstGeom>
+            </p:spPr>
+          </p:pic>
+        </mc:Fallback>
+      </mc:AlternateContent>
+      <mc:AlternateContent xmlns:mc="http://schemas.openxmlformats.org/markup-compatibility/2006">
+        <mc:Choice xmlns:p14="http://schemas.microsoft.com/office/powerpoint/2010/main" Requires="p14">
+          <p:contentPart p14:bwMode="auto" r:id="rId5">
+            <p14:nvContentPartPr>
+              <p14:cNvPr id="14" name="Ink 13">
+                <a:extLst>
+                  <a:ext uri="{FF2B5EF4-FFF2-40B4-BE49-F238E27FC236}">
+                    <a16:creationId xmlns:a16="http://schemas.microsoft.com/office/drawing/2014/main" id="{B4C3FC82-42B3-4BE0-9A46-341EE705ECBF}"/>
+                  </a:ext>
+                </a:extLst>
+              </p14:cNvPr>
+              <p14:cNvContentPartPr/>
+              <p14:nvPr/>
+            </p14:nvContentPartPr>
+            <p14:xfrm>
+              <a:off x="6006834" y="1960982"/>
+              <a:ext cx="4991760" cy="3141000"/>
+            </p14:xfrm>
+          </p:contentPart>
+        </mc:Choice>
+        <mc:Fallback>
+          <p:pic>
+            <p:nvPicPr>
+              <p:cNvPr id="14" name="Ink 13">
+                <a:extLst>
+                  <a:ext uri="{FF2B5EF4-FFF2-40B4-BE49-F238E27FC236}">
+                    <a16:creationId xmlns:a16="http://schemas.microsoft.com/office/drawing/2014/main" id="{B4C3FC82-42B3-4BE0-9A46-341EE705ECBF}"/>
+                  </a:ext>
+                </a:extLst>
+              </p:cNvPr>
+              <p:cNvPicPr/>
+              <p:nvPr/>
+            </p:nvPicPr>
+            <p:blipFill>
+              <a:blip r:embed="rId6"/>
+              <a:stretch>
+                <a:fillRect/>
+              </a:stretch>
+            </p:blipFill>
+            <p:spPr>
+              <a:xfrm>
+                <a:off x="5997834" y="1951983"/>
+                <a:ext cx="5009400" cy="3158638"/>
+              </a:xfrm>
+              <a:prstGeom prst="rect">
+                <a:avLst/>
+              </a:prstGeom>
+            </p:spPr>
+          </p:pic>
+        </mc:Fallback>
+      </mc:AlternateContent>
+    </p:spTree>
+    <p:extLst>
+      <p:ext uri="{BB962C8B-B14F-4D97-AF65-F5344CB8AC3E}">
+        <p14:creationId xmlns:p14="http://schemas.microsoft.com/office/powerpoint/2010/main" val="3923014064"/>
+      </p:ext>
+    </p:extLst>
+  </p:cSld>
+  <p:clrMapOvr>
+    <a:masterClrMapping/>
+  </p:clrMapOvr>
+</p:sld>
+</file>
+
+<file path=ppt/slides/slide4.xml><?xml version="1.0" encoding="utf-8"?>
+<p:sld xmlns:a="http://schemas.openxmlformats.org/drawingml/2006/main" xmlns:r="http://schemas.openxmlformats.org/officeDocument/2006/relationships" xmlns:p="http://schemas.openxmlformats.org/presentationml/2006/main">
+  <p:cSld>
+    <p:spTree>
+      <p:nvGrpSpPr>
+        <p:cNvPr id="1" name=""/>
+        <p:cNvGrpSpPr/>
+        <p:nvPr/>
+      </p:nvGrpSpPr>
+      <p:grpSpPr>
+        <a:xfrm>
+          <a:off x="0" y="0"/>
+          <a:ext cx="0" cy="0"/>
+          <a:chOff x="0" y="0"/>
+          <a:chExt cx="0" cy="0"/>
+        </a:xfrm>
+      </p:grpSpPr>
+      <p:pic>
+        <p:nvPicPr>
+          <p:cNvPr id="4" name="Picture 3">
+            <a:extLst>
+              <a:ext uri="{FF2B5EF4-FFF2-40B4-BE49-F238E27FC236}">
+                <a16:creationId xmlns:a16="http://schemas.microsoft.com/office/drawing/2014/main" id="{0EE56843-C873-48FE-B76B-ED0D377E216F}"/>
+              </a:ext>
+            </a:extLst>
+          </p:cNvPr>
+          <p:cNvPicPr>
+            <a:picLocks noChangeAspect="1"/>
+          </p:cNvPicPr>
+          <p:nvPr/>
+        </p:nvPicPr>
+        <p:blipFill>
+          <a:blip r:embed="rId2">
+            <a:extLst>
+              <a:ext uri="{28A0092B-C50C-407E-A947-70E740481C1C}">
+                <a14:useLocalDpi xmlns:a14="http://schemas.microsoft.com/office/drawing/2010/main" val="0"/>
+              </a:ext>
+            </a:extLst>
+          </a:blip>
+          <a:stretch>
+            <a:fillRect/>
+          </a:stretch>
+        </p:blipFill>
+        <p:spPr>
+          <a:xfrm>
+            <a:off x="1386010" y="436441"/>
+            <a:ext cx="9810750" cy="5391150"/>
+          </a:xfrm>
+          <a:prstGeom prst="rect">
+            <a:avLst/>
+          </a:prstGeom>
+        </p:spPr>
+      </p:pic>
+      <mc:AlternateContent xmlns:mc="http://schemas.openxmlformats.org/markup-compatibility/2006">
+        <mc:Choice xmlns:p14="http://schemas.microsoft.com/office/powerpoint/2010/main" Requires="p14">
+          <p:contentPart p14:bwMode="auto" r:id="rId3">
+            <p14:nvContentPartPr>
+              <p14:cNvPr id="5" name="Ink 4">
+                <a:extLst>
+                  <a:ext uri="{FF2B5EF4-FFF2-40B4-BE49-F238E27FC236}">
+                    <a16:creationId xmlns:a16="http://schemas.microsoft.com/office/drawing/2014/main" id="{14883929-5421-447F-985E-364EFA511A7C}"/>
+                  </a:ext>
+                </a:extLst>
+              </p14:cNvPr>
+              <p14:cNvContentPartPr/>
+              <p14:nvPr/>
+            </p14:nvContentPartPr>
+            <p14:xfrm>
+              <a:off x="8608554" y="4655582"/>
+              <a:ext cx="240120" cy="167040"/>
+            </p14:xfrm>
+          </p:contentPart>
+        </mc:Choice>
+        <mc:Fallback>
+          <p:pic>
+            <p:nvPicPr>
+              <p:cNvPr id="5" name="Ink 4">
+                <a:extLst>
+                  <a:ext uri="{FF2B5EF4-FFF2-40B4-BE49-F238E27FC236}">
+                    <a16:creationId xmlns:a16="http://schemas.microsoft.com/office/drawing/2014/main" id="{14883929-5421-447F-985E-364EFA511A7C}"/>
+                  </a:ext>
+                </a:extLst>
+              </p:cNvPr>
+              <p:cNvPicPr/>
+              <p:nvPr/>
+            </p:nvPicPr>
+            <p:blipFill>
+              <a:blip r:embed="rId4"/>
+              <a:stretch>
+                <a:fillRect/>
+              </a:stretch>
+            </p:blipFill>
+            <p:spPr>
+              <a:xfrm>
+                <a:off x="8599554" y="4646582"/>
+                <a:ext cx="257760" cy="184680"/>
+              </a:xfrm>
+              <a:prstGeom prst="rect">
+                <a:avLst/>
+              </a:prstGeom>
+            </p:spPr>
+          </p:pic>
+        </mc:Fallback>
+      </mc:AlternateContent>
+      <mc:AlternateContent xmlns:mc="http://schemas.openxmlformats.org/markup-compatibility/2006">
+        <mc:Choice xmlns:p14="http://schemas.microsoft.com/office/powerpoint/2010/main" Requires="p14">
+          <p:contentPart p14:bwMode="auto" r:id="rId5">
+            <p14:nvContentPartPr>
+              <p14:cNvPr id="6" name="Ink 5">
+                <a:extLst>
+                  <a:ext uri="{FF2B5EF4-FFF2-40B4-BE49-F238E27FC236}">
+                    <a16:creationId xmlns:a16="http://schemas.microsoft.com/office/drawing/2014/main" id="{AA07437E-1160-42B5-927A-B8E2D1E400A2}"/>
+                  </a:ext>
+                </a:extLst>
+              </p14:cNvPr>
+              <p14:cNvContentPartPr/>
+              <p14:nvPr/>
+            </p14:nvContentPartPr>
+            <p14:xfrm>
+              <a:off x="6222474" y="2210102"/>
+              <a:ext cx="243720" cy="191880"/>
+            </p14:xfrm>
+          </p:contentPart>
+        </mc:Choice>
+        <mc:Fallback>
+          <p:pic>
+            <p:nvPicPr>
+              <p:cNvPr id="6" name="Ink 5">
+                <a:extLst>
+                  <a:ext uri="{FF2B5EF4-FFF2-40B4-BE49-F238E27FC236}">
+                    <a16:creationId xmlns:a16="http://schemas.microsoft.com/office/drawing/2014/main" id="{AA07437E-1160-42B5-927A-B8E2D1E400A2}"/>
+                  </a:ext>
+                </a:extLst>
+              </p:cNvPr>
+              <p:cNvPicPr/>
+              <p:nvPr/>
+            </p:nvPicPr>
+            <p:blipFill>
+              <a:blip r:embed="rId6"/>
+              <a:stretch>
+                <a:fillRect/>
+              </a:stretch>
+            </p:blipFill>
+            <p:spPr>
+              <a:xfrm>
+                <a:off x="6213474" y="2201102"/>
+                <a:ext cx="261360" cy="209520"/>
+              </a:xfrm>
+              <a:prstGeom prst="rect">
+                <a:avLst/>
+              </a:prstGeom>
+            </p:spPr>
+          </p:pic>
+        </mc:Fallback>
+      </mc:AlternateContent>
+      <mc:AlternateContent xmlns:mc="http://schemas.openxmlformats.org/markup-compatibility/2006">
+        <mc:Choice xmlns:p14="http://schemas.microsoft.com/office/powerpoint/2010/main" Requires="p14">
+          <p:contentPart p14:bwMode="auto" r:id="rId7">
+            <p14:nvContentPartPr>
+              <p14:cNvPr id="10" name="Ink 9">
+                <a:extLst>
+                  <a:ext uri="{FF2B5EF4-FFF2-40B4-BE49-F238E27FC236}">
+                    <a16:creationId xmlns:a16="http://schemas.microsoft.com/office/drawing/2014/main" id="{17F30510-2D47-4E19-BCDE-A3703AE789AE}"/>
+                  </a:ext>
+                </a:extLst>
+              </p14:cNvPr>
+              <p14:cNvContentPartPr/>
+              <p14:nvPr/>
+            </p14:nvContentPartPr>
+            <p14:xfrm>
+              <a:off x="6572394" y="1203182"/>
+              <a:ext cx="523080" cy="382680"/>
+            </p14:xfrm>
+          </p:contentPart>
+        </mc:Choice>
+        <mc:Fallback>
+          <p:pic>
+            <p:nvPicPr>
+              <p:cNvPr id="10" name="Ink 9">
+                <a:extLst>
+                  <a:ext uri="{FF2B5EF4-FFF2-40B4-BE49-F238E27FC236}">
+                    <a16:creationId xmlns:a16="http://schemas.microsoft.com/office/drawing/2014/main" id="{17F30510-2D47-4E19-BCDE-A3703AE789AE}"/>
+                  </a:ext>
+                </a:extLst>
+              </p:cNvPr>
+              <p:cNvPicPr/>
+              <p:nvPr/>
+            </p:nvPicPr>
+            <p:blipFill>
+              <a:blip r:embed="rId8"/>
+              <a:stretch>
+                <a:fillRect/>
+              </a:stretch>
+            </p:blipFill>
+            <p:spPr>
+              <a:xfrm>
+                <a:off x="6563394" y="1194182"/>
+                <a:ext cx="540720" cy="400320"/>
+              </a:xfrm>
+              <a:prstGeom prst="rect">
+                <a:avLst/>
+              </a:prstGeom>
+            </p:spPr>
+          </p:pic>
+        </mc:Fallback>
+      </mc:AlternateContent>
+      <mc:AlternateContent xmlns:mc="http://schemas.openxmlformats.org/markup-compatibility/2006">
+        <mc:Choice xmlns:p14="http://schemas.microsoft.com/office/powerpoint/2010/main" Requires="p14">
+          <p:contentPart p14:bwMode="auto" r:id="rId9">
+            <p14:nvContentPartPr>
+              <p14:cNvPr id="12" name="Ink 11">
+                <a:extLst>
+                  <a:ext uri="{FF2B5EF4-FFF2-40B4-BE49-F238E27FC236}">
+                    <a16:creationId xmlns:a16="http://schemas.microsoft.com/office/drawing/2014/main" id="{4D847458-7603-4866-B9EA-015A1924D483}"/>
+                  </a:ext>
+                </a:extLst>
+              </p14:cNvPr>
+              <p14:cNvContentPartPr/>
+              <p14:nvPr/>
+            </p14:nvContentPartPr>
+            <p14:xfrm>
+              <a:off x="7760034" y="1234502"/>
+              <a:ext cx="947880" cy="1672920"/>
+            </p14:xfrm>
+          </p:contentPart>
+        </mc:Choice>
+        <mc:Fallback>
+          <p:pic>
+            <p:nvPicPr>
+              <p:cNvPr id="12" name="Ink 11">
+                <a:extLst>
+                  <a:ext uri="{FF2B5EF4-FFF2-40B4-BE49-F238E27FC236}">
+                    <a16:creationId xmlns:a16="http://schemas.microsoft.com/office/drawing/2014/main" id="{4D847458-7603-4866-B9EA-015A1924D483}"/>
+                  </a:ext>
+                </a:extLst>
+              </p:cNvPr>
+              <p:cNvPicPr/>
+              <p:nvPr/>
+            </p:nvPicPr>
+            <p:blipFill>
+              <a:blip r:embed="rId10"/>
+              <a:stretch>
+                <a:fillRect/>
+              </a:stretch>
+            </p:blipFill>
+            <p:spPr>
+              <a:xfrm>
+                <a:off x="7751394" y="1225862"/>
+                <a:ext cx="965520" cy="1690560"/>
+              </a:xfrm>
+              <a:prstGeom prst="rect">
+                <a:avLst/>
+              </a:prstGeom>
+            </p:spPr>
+          </p:pic>
+        </mc:Fallback>
+      </mc:AlternateContent>
+    </p:spTree>
+    <p:extLst>
+      <p:ext uri="{BB962C8B-B14F-4D97-AF65-F5344CB8AC3E}">
+        <p14:creationId xmlns:p14="http://schemas.microsoft.com/office/powerpoint/2010/main" val="272561002"/>
       </p:ext>
     </p:extLst>
   </p:cSld>

--- a/reviews/Presentation1.pptx
+++ b/reviews/Presentation1.pptx
@@ -4402,8 +4402,8 @@
           </a:p>
         </p:txBody>
       </p:sp>
-      <mc:AlternateContent xmlns:mc="http://schemas.openxmlformats.org/markup-compatibility/2006">
-        <mc:Choice xmlns:p14="http://schemas.microsoft.com/office/powerpoint/2010/main" xmlns:aink="http://schemas.microsoft.com/office/drawing/2016/ink" Requires="p14 aink">
+      <mc:AlternateContent xmlns:mc="http://schemas.openxmlformats.org/markup-compatibility/2006" xmlns:p14="http://schemas.microsoft.com/office/powerpoint/2010/main" xmlns:aink="http://schemas.microsoft.com/office/drawing/2016/ink">
+        <mc:Choice Requires="p14 aink">
           <p:contentPart p14:bwMode="auto" r:id="rId3">
             <p14:nvContentPartPr>
               <p14:cNvPr id="8" name="Ink 7">
@@ -4422,7 +4422,7 @@
             </p14:xfrm>
           </p:contentPart>
         </mc:Choice>
-        <mc:Fallback>
+        <mc:Fallback xmlns="">
           <p:pic>
             <p:nvPicPr>
               <p:cNvPr id="8" name="Ink 7">
@@ -4453,8 +4453,8 @@
           </p:pic>
         </mc:Fallback>
       </mc:AlternateContent>
-      <mc:AlternateContent xmlns:mc="http://schemas.openxmlformats.org/markup-compatibility/2006">
-        <mc:Choice xmlns:p14="http://schemas.microsoft.com/office/powerpoint/2010/main" Requires="p14">
+      <mc:AlternateContent xmlns:mc="http://schemas.openxmlformats.org/markup-compatibility/2006" xmlns:p14="http://schemas.microsoft.com/office/powerpoint/2010/main">
+        <mc:Choice Requires="p14">
           <p:contentPart p14:bwMode="auto" r:id="rId5">
             <p14:nvContentPartPr>
               <p14:cNvPr id="14" name="Ink 13">
@@ -4473,7 +4473,7 @@
             </p14:xfrm>
           </p:contentPart>
         </mc:Choice>
-        <mc:Fallback>
+        <mc:Fallback xmlns="">
           <p:pic>
             <p:nvPicPr>
               <p:cNvPr id="14" name="Ink 13">
@@ -4570,8 +4570,8 @@
           </a:prstGeom>
         </p:spPr>
       </p:pic>
-      <mc:AlternateContent xmlns:mc="http://schemas.openxmlformats.org/markup-compatibility/2006">
-        <mc:Choice xmlns:p14="http://schemas.microsoft.com/office/powerpoint/2010/main" Requires="p14">
+      <mc:AlternateContent xmlns:mc="http://schemas.openxmlformats.org/markup-compatibility/2006" xmlns:p14="http://schemas.microsoft.com/office/powerpoint/2010/main">
+        <mc:Choice Requires="p14">
           <p:contentPart p14:bwMode="auto" r:id="rId3">
             <p14:nvContentPartPr>
               <p14:cNvPr id="5" name="Ink 4">
@@ -4590,7 +4590,7 @@
             </p14:xfrm>
           </p:contentPart>
         </mc:Choice>
-        <mc:Fallback>
+        <mc:Fallback xmlns="">
           <p:pic>
             <p:nvPicPr>
               <p:cNvPr id="5" name="Ink 4">
@@ -4621,8 +4621,8 @@
           </p:pic>
         </mc:Fallback>
       </mc:AlternateContent>
-      <mc:AlternateContent xmlns:mc="http://schemas.openxmlformats.org/markup-compatibility/2006">
-        <mc:Choice xmlns:p14="http://schemas.microsoft.com/office/powerpoint/2010/main" Requires="p14">
+      <mc:AlternateContent xmlns:mc="http://schemas.openxmlformats.org/markup-compatibility/2006" xmlns:p14="http://schemas.microsoft.com/office/powerpoint/2010/main">
+        <mc:Choice Requires="p14">
           <p:contentPart p14:bwMode="auto" r:id="rId5">
             <p14:nvContentPartPr>
               <p14:cNvPr id="6" name="Ink 5">
@@ -4641,7 +4641,7 @@
             </p14:xfrm>
           </p:contentPart>
         </mc:Choice>
-        <mc:Fallback>
+        <mc:Fallback xmlns="">
           <p:pic>
             <p:nvPicPr>
               <p:cNvPr id="6" name="Ink 5">
@@ -4672,8 +4672,8 @@
           </p:pic>
         </mc:Fallback>
       </mc:AlternateContent>
-      <mc:AlternateContent xmlns:mc="http://schemas.openxmlformats.org/markup-compatibility/2006">
-        <mc:Choice xmlns:p14="http://schemas.microsoft.com/office/powerpoint/2010/main" Requires="p14">
+      <mc:AlternateContent xmlns:mc="http://schemas.openxmlformats.org/markup-compatibility/2006" xmlns:p14="http://schemas.microsoft.com/office/powerpoint/2010/main">
+        <mc:Choice Requires="p14">
           <p:contentPart p14:bwMode="auto" r:id="rId7">
             <p14:nvContentPartPr>
               <p14:cNvPr id="10" name="Ink 9">
@@ -4692,7 +4692,7 @@
             </p14:xfrm>
           </p:contentPart>
         </mc:Choice>
-        <mc:Fallback>
+        <mc:Fallback xmlns="">
           <p:pic>
             <p:nvPicPr>
               <p:cNvPr id="10" name="Ink 9">
@@ -4723,8 +4723,8 @@
           </p:pic>
         </mc:Fallback>
       </mc:AlternateContent>
-      <mc:AlternateContent xmlns:mc="http://schemas.openxmlformats.org/markup-compatibility/2006">
-        <mc:Choice xmlns:p14="http://schemas.microsoft.com/office/powerpoint/2010/main" Requires="p14">
+      <mc:AlternateContent xmlns:mc="http://schemas.openxmlformats.org/markup-compatibility/2006" xmlns:p14="http://schemas.microsoft.com/office/powerpoint/2010/main">
+        <mc:Choice Requires="p14">
           <p:contentPart p14:bwMode="auto" r:id="rId9">
             <p14:nvContentPartPr>
               <p14:cNvPr id="12" name="Ink 11">
@@ -4743,7 +4743,7 @@
             </p14:xfrm>
           </p:contentPart>
         </mc:Choice>
-        <mc:Fallback>
+        <mc:Fallback xmlns="">
           <p:pic>
             <p:nvPicPr>
               <p:cNvPr id="12" name="Ink 11">
